--- a/Bd/mcdUpdate.pptx
+++ b/Bd/mcdUpdate.pptx
@@ -6,6 +6,7 @@
   </p:sldMasterIdLst>
   <p:sldIdLst>
     <p:sldId id="257" r:id="rId2"/>
+    <p:sldId id="258" r:id="rId3"/>
   </p:sldIdLst>
   <p:sldSz cx="12192000" cy="6858000"/>
   <p:notesSz cx="6858000" cy="9144000"/>
@@ -261,7 +262,7 @@
           <a:p>
             <a:fld id="{86F9B83D-E470-42F6-81F9-A2486B6F42E9}" type="datetimeFigureOut">
               <a:rPr lang="fr-CA" smtClean="0"/>
-              <a:t>2020-04-14</a:t>
+              <a:t>2020-05-20</a:t>
             </a:fld>
             <a:endParaRPr lang="fr-CA"/>
           </a:p>
@@ -461,7 +462,7 @@
           <a:p>
             <a:fld id="{86F9B83D-E470-42F6-81F9-A2486B6F42E9}" type="datetimeFigureOut">
               <a:rPr lang="fr-CA" smtClean="0"/>
-              <a:t>2020-04-14</a:t>
+              <a:t>2020-05-20</a:t>
             </a:fld>
             <a:endParaRPr lang="fr-CA"/>
           </a:p>
@@ -671,7 +672,7 @@
           <a:p>
             <a:fld id="{86F9B83D-E470-42F6-81F9-A2486B6F42E9}" type="datetimeFigureOut">
               <a:rPr lang="fr-CA" smtClean="0"/>
-              <a:t>2020-04-14</a:t>
+              <a:t>2020-05-20</a:t>
             </a:fld>
             <a:endParaRPr lang="fr-CA"/>
           </a:p>
@@ -871,7 +872,7 @@
           <a:p>
             <a:fld id="{86F9B83D-E470-42F6-81F9-A2486B6F42E9}" type="datetimeFigureOut">
               <a:rPr lang="fr-CA" smtClean="0"/>
-              <a:t>2020-04-14</a:t>
+              <a:t>2020-05-20</a:t>
             </a:fld>
             <a:endParaRPr lang="fr-CA"/>
           </a:p>
@@ -1147,7 +1148,7 @@
           <a:p>
             <a:fld id="{86F9B83D-E470-42F6-81F9-A2486B6F42E9}" type="datetimeFigureOut">
               <a:rPr lang="fr-CA" smtClean="0"/>
-              <a:t>2020-04-14</a:t>
+              <a:t>2020-05-20</a:t>
             </a:fld>
             <a:endParaRPr lang="fr-CA"/>
           </a:p>
@@ -1415,7 +1416,7 @@
           <a:p>
             <a:fld id="{86F9B83D-E470-42F6-81F9-A2486B6F42E9}" type="datetimeFigureOut">
               <a:rPr lang="fr-CA" smtClean="0"/>
-              <a:t>2020-04-14</a:t>
+              <a:t>2020-05-20</a:t>
             </a:fld>
             <a:endParaRPr lang="fr-CA"/>
           </a:p>
@@ -1830,7 +1831,7 @@
           <a:p>
             <a:fld id="{86F9B83D-E470-42F6-81F9-A2486B6F42E9}" type="datetimeFigureOut">
               <a:rPr lang="fr-CA" smtClean="0"/>
-              <a:t>2020-04-14</a:t>
+              <a:t>2020-05-20</a:t>
             </a:fld>
             <a:endParaRPr lang="fr-CA"/>
           </a:p>
@@ -1972,7 +1973,7 @@
           <a:p>
             <a:fld id="{86F9B83D-E470-42F6-81F9-A2486B6F42E9}" type="datetimeFigureOut">
               <a:rPr lang="fr-CA" smtClean="0"/>
-              <a:t>2020-04-14</a:t>
+              <a:t>2020-05-20</a:t>
             </a:fld>
             <a:endParaRPr lang="fr-CA"/>
           </a:p>
@@ -2085,7 +2086,7 @@
           <a:p>
             <a:fld id="{86F9B83D-E470-42F6-81F9-A2486B6F42E9}" type="datetimeFigureOut">
               <a:rPr lang="fr-CA" smtClean="0"/>
-              <a:t>2020-04-14</a:t>
+              <a:t>2020-05-20</a:t>
             </a:fld>
             <a:endParaRPr lang="fr-CA"/>
           </a:p>
@@ -2398,7 +2399,7 @@
           <a:p>
             <a:fld id="{86F9B83D-E470-42F6-81F9-A2486B6F42E9}" type="datetimeFigureOut">
               <a:rPr lang="fr-CA" smtClean="0"/>
-              <a:t>2020-04-14</a:t>
+              <a:t>2020-05-20</a:t>
             </a:fld>
             <a:endParaRPr lang="fr-CA"/>
           </a:p>
@@ -2687,7 +2688,7 @@
           <a:p>
             <a:fld id="{86F9B83D-E470-42F6-81F9-A2486B6F42E9}" type="datetimeFigureOut">
               <a:rPr lang="fr-CA" smtClean="0"/>
-              <a:t>2020-04-14</a:t>
+              <a:t>2020-05-20</a:t>
             </a:fld>
             <a:endParaRPr lang="fr-CA"/>
           </a:p>
@@ -2930,7 +2931,7 @@
           <a:p>
             <a:fld id="{86F9B83D-E470-42F6-81F9-A2486B6F42E9}" type="datetimeFigureOut">
               <a:rPr lang="fr-CA" smtClean="0"/>
-              <a:t>2020-04-14</a:t>
+              <a:t>2020-05-20</a:t>
             </a:fld>
             <a:endParaRPr lang="fr-CA"/>
           </a:p>
@@ -4316,7 +4317,7 @@
         </p:nvSpPr>
         <p:spPr>
           <a:xfrm>
-            <a:off x="127261" y="2205491"/>
+            <a:off x="127261" y="2264214"/>
             <a:ext cx="3091248" cy="2178963"/>
           </a:xfrm>
           <a:prstGeom prst="rect">
@@ -4415,7 +4416,7 @@
         </p:nvSpPr>
         <p:spPr>
           <a:xfrm>
-            <a:off x="127261" y="1911877"/>
+            <a:off x="127261" y="1970600"/>
             <a:ext cx="3091248" cy="438912"/>
           </a:xfrm>
           <a:prstGeom prst="rect">
@@ -4451,86 +4452,6 @@
           </a:p>
         </p:txBody>
       </p:sp>
-      <p:sp>
-        <p:nvSpPr>
-          <p:cNvPr id="50" name="ZoneTexte 49">
-            <a:extLst>
-              <a:ext uri="{FF2B5EF4-FFF2-40B4-BE49-F238E27FC236}">
-                <a16:creationId xmlns:a16="http://schemas.microsoft.com/office/drawing/2014/main" id="{042F3A78-2869-4F8F-B9AF-943F3B2BE2F9}"/>
-              </a:ext>
-            </a:extLst>
-          </p:cNvPr>
-          <p:cNvSpPr txBox="1"/>
-          <p:nvPr/>
-        </p:nvSpPr>
-        <p:spPr>
-          <a:xfrm>
-            <a:off x="23191" y="5136651"/>
-            <a:ext cx="4288750" cy="1569660"/>
-          </a:xfrm>
-          <a:prstGeom prst="rect">
-            <a:avLst/>
-          </a:prstGeom>
-          <a:noFill/>
-          <a:ln w="12700">
-            <a:solidFill>
-              <a:schemeClr val="tx1"/>
-            </a:solidFill>
-          </a:ln>
-        </p:spPr>
-        <p:txBody>
-          <a:bodyPr wrap="square" rtlCol="0">
-            <a:spAutoFit/>
-          </a:bodyPr>
-          <a:lstStyle/>
-          <a:p>
-            <a:r>
-              <a:rPr lang="fr-CA" sz="1600" dirty="0"/>
-              <a:t>Procédure stocker:</a:t>
-            </a:r>
-          </a:p>
-          <a:p>
-            <a:pPr marL="285750" indent="-285750">
-              <a:buFont typeface="Arial" panose="020B0604020202020204" pitchFamily="34" charset="0"/>
-              <a:buChar char="•"/>
-            </a:pPr>
-            <a:r>
-              <a:rPr lang="fr-CA" sz="1600" dirty="0"/>
-              <a:t>Nombre de fois que la machine à bloquer (historique)</a:t>
-            </a:r>
-          </a:p>
-          <a:p>
-            <a:pPr marL="285750" indent="-285750">
-              <a:buFont typeface="Arial" panose="020B0604020202020204" pitchFamily="34" charset="0"/>
-              <a:buChar char="•"/>
-            </a:pPr>
-            <a:r>
-              <a:rPr lang="fr-CA" sz="1600" dirty="0"/>
-              <a:t>Temps que la commande à prit (historique)</a:t>
-            </a:r>
-          </a:p>
-          <a:p>
-            <a:pPr marL="285750" indent="-285750">
-              <a:buFont typeface="Arial" panose="020B0604020202020204" pitchFamily="34" charset="0"/>
-              <a:buChar char="•"/>
-            </a:pPr>
-            <a:r>
-              <a:rPr lang="fr-CA" sz="1600" dirty="0"/>
-              <a:t>Vérifier le login (connexion)</a:t>
-            </a:r>
-          </a:p>
-          <a:p>
-            <a:pPr marL="285750" indent="-285750">
-              <a:buFont typeface="Arial" panose="020B0604020202020204" pitchFamily="34" charset="0"/>
-              <a:buChar char="•"/>
-            </a:pPr>
-            <a:r>
-              <a:rPr lang="fr-CA" sz="1600" dirty="0"/>
-              <a:t>Avoir la dernière ligne de la table info (accueil)</a:t>
-            </a:r>
-          </a:p>
-        </p:txBody>
-      </p:sp>
       <p:cxnSp>
         <p:nvCxnSpPr>
           <p:cNvPr id="51" name="Connecteur droit avec flèche 50">
@@ -4550,7 +4471,7 @@
         <p:spPr>
           <a:xfrm flipV="1">
             <a:off x="3218509" y="2054069"/>
-            <a:ext cx="1105391" cy="1240904"/>
+            <a:ext cx="1105391" cy="1299627"/>
           </a:xfrm>
           <a:prstGeom prst="straightConnector1">
             <a:avLst/>
@@ -4933,7 +4854,7 @@
         </p:nvSpPr>
         <p:spPr>
           <a:xfrm>
-            <a:off x="1685193" y="235947"/>
+            <a:off x="1685193" y="277892"/>
             <a:ext cx="2233872" cy="1351007"/>
           </a:xfrm>
           <a:prstGeom prst="rect">
@@ -5005,7 +4926,7 @@
         </p:nvSpPr>
         <p:spPr>
           <a:xfrm>
-            <a:off x="1685192" y="-24112"/>
+            <a:off x="1685192" y="17833"/>
             <a:ext cx="2233872" cy="438912"/>
           </a:xfrm>
           <a:prstGeom prst="rect">
@@ -5135,8 +5056,8 @@
         </p:nvCxnSpPr>
         <p:spPr>
           <a:xfrm flipV="1">
-            <a:off x="629758" y="911451"/>
-            <a:ext cx="1055435" cy="978100"/>
+            <a:off x="755301" y="953396"/>
+            <a:ext cx="929892" cy="1017204"/>
           </a:xfrm>
           <a:prstGeom prst="straightConnector1">
             <a:avLst/>
@@ -5210,7 +5131,7 @@
         </p:nvSpPr>
         <p:spPr>
           <a:xfrm>
-            <a:off x="1488933" y="1511191"/>
+            <a:off x="1488933" y="1553136"/>
             <a:ext cx="2363364" cy="646331"/>
           </a:xfrm>
           <a:prstGeom prst="rect">
@@ -5246,6 +5167,372 @@
     <p:extLst>
       <p:ext uri="{BB962C8B-B14F-4D97-AF65-F5344CB8AC3E}">
         <p14:creationId xmlns:p14="http://schemas.microsoft.com/office/powerpoint/2010/main" val="2108685160"/>
+      </p:ext>
+    </p:extLst>
+  </p:cSld>
+  <p:clrMapOvr>
+    <a:masterClrMapping/>
+  </p:clrMapOvr>
+</p:sld>
+</file>
+
+<file path=ppt/slides/slide2.xml><?xml version="1.0" encoding="utf-8"?>
+<p:sld xmlns:a="http://schemas.openxmlformats.org/drawingml/2006/main" xmlns:r="http://schemas.openxmlformats.org/officeDocument/2006/relationships" xmlns:p="http://schemas.openxmlformats.org/presentationml/2006/main">
+  <p:cSld>
+    <p:spTree>
+      <p:nvGrpSpPr>
+        <p:cNvPr id="1" name=""/>
+        <p:cNvGrpSpPr/>
+        <p:nvPr/>
+      </p:nvGrpSpPr>
+      <p:grpSpPr>
+        <a:xfrm>
+          <a:off x="0" y="0"/>
+          <a:ext cx="0" cy="0"/>
+          <a:chOff x="0" y="0"/>
+          <a:chExt cx="0" cy="0"/>
+        </a:xfrm>
+      </p:grpSpPr>
+      <p:sp>
+        <p:nvSpPr>
+          <p:cNvPr id="4" name="Rectangle 3">
+            <a:extLst>
+              <a:ext uri="{FF2B5EF4-FFF2-40B4-BE49-F238E27FC236}">
+                <a16:creationId xmlns:a16="http://schemas.microsoft.com/office/drawing/2014/main" id="{59274BAE-C6FC-47E4-993D-4CB40F9379E1}"/>
+              </a:ext>
+            </a:extLst>
+          </p:cNvPr>
+          <p:cNvSpPr/>
+          <p:nvPr/>
+        </p:nvSpPr>
+        <p:spPr>
+          <a:xfrm>
+            <a:off x="944671" y="778904"/>
+            <a:ext cx="3020962" cy="2903863"/>
+          </a:xfrm>
+          <a:prstGeom prst="rect">
+            <a:avLst/>
+          </a:prstGeom>
+          <a:solidFill>
+            <a:schemeClr val="accent1">
+              <a:lumMod val="60000"/>
+              <a:lumOff val="40000"/>
+            </a:schemeClr>
+          </a:solidFill>
+        </p:spPr>
+        <p:style>
+          <a:lnRef idx="2">
+            <a:schemeClr val="accent1">
+              <a:shade val="50000"/>
+            </a:schemeClr>
+          </a:lnRef>
+          <a:fillRef idx="1">
+            <a:schemeClr val="accent1"/>
+          </a:fillRef>
+          <a:effectRef idx="0">
+            <a:schemeClr val="accent1"/>
+          </a:effectRef>
+          <a:fontRef idx="minor">
+            <a:schemeClr val="lt1"/>
+          </a:fontRef>
+        </p:style>
+        <p:txBody>
+          <a:bodyPr rtlCol="0" anchor="ctr"/>
+          <a:lstStyle/>
+          <a:p>
+            <a:pPr algn="ctr"/>
+            <a:r>
+              <a:rPr lang="fr-CA" u="sng" dirty="0" err="1"/>
+              <a:t>Id_info</a:t>
+            </a:r>
+            <a:endParaRPr lang="fr-CA" u="sng" dirty="0"/>
+          </a:p>
+          <a:p>
+            <a:pPr algn="ctr"/>
+            <a:r>
+              <a:rPr lang="fr-CA" dirty="0" err="1"/>
+              <a:t>Nom_commande</a:t>
+            </a:r>
+            <a:endParaRPr lang="fr-CA" dirty="0"/>
+          </a:p>
+          <a:p>
+            <a:pPr algn="ctr"/>
+            <a:r>
+              <a:rPr lang="fr-CA" dirty="0"/>
+              <a:t>Date</a:t>
+            </a:r>
+          </a:p>
+          <a:p>
+            <a:pPr algn="ctr"/>
+            <a:r>
+              <a:rPr lang="fr-CA" dirty="0" err="1"/>
+              <a:t>Quantite_a_produire</a:t>
+            </a:r>
+            <a:endParaRPr lang="fr-CA" dirty="0"/>
+          </a:p>
+          <a:p>
+            <a:pPr algn="ctr"/>
+            <a:r>
+              <a:rPr lang="fr-CA" dirty="0" err="1"/>
+              <a:t>Temperature</a:t>
+            </a:r>
+            <a:endParaRPr lang="fr-CA" dirty="0"/>
+          </a:p>
+          <a:p>
+            <a:pPr algn="ctr"/>
+            <a:r>
+              <a:rPr lang="fr-CA" dirty="0" err="1"/>
+              <a:t>Humidite</a:t>
+            </a:r>
+            <a:endParaRPr lang="fr-CA" dirty="0"/>
+          </a:p>
+          <a:p>
+            <a:pPr algn="ctr"/>
+            <a:r>
+              <a:rPr lang="fr-CA" dirty="0" err="1"/>
+              <a:t>Quantite_bon</a:t>
+            </a:r>
+            <a:endParaRPr lang="fr-CA" dirty="0"/>
+          </a:p>
+          <a:p>
+            <a:pPr algn="ctr"/>
+            <a:r>
+              <a:rPr lang="fr-CA" dirty="0" err="1"/>
+              <a:t>Qnantite_mauvais</a:t>
+            </a:r>
+            <a:endParaRPr lang="fr-CA" dirty="0"/>
+          </a:p>
+          <a:p>
+            <a:pPr algn="ctr"/>
+            <a:r>
+              <a:rPr lang="fr-CA" dirty="0"/>
+              <a:t>Bloque</a:t>
+            </a:r>
+          </a:p>
+        </p:txBody>
+      </p:sp>
+      <p:sp>
+        <p:nvSpPr>
+          <p:cNvPr id="5" name="Rectangle 4">
+            <a:extLst>
+              <a:ext uri="{FF2B5EF4-FFF2-40B4-BE49-F238E27FC236}">
+                <a16:creationId xmlns:a16="http://schemas.microsoft.com/office/drawing/2014/main" id="{ADDCF73F-3973-4542-BB8F-9070F7BF278E}"/>
+              </a:ext>
+            </a:extLst>
+          </p:cNvPr>
+          <p:cNvSpPr/>
+          <p:nvPr/>
+        </p:nvSpPr>
+        <p:spPr>
+          <a:xfrm>
+            <a:off x="944671" y="535624"/>
+            <a:ext cx="3020962" cy="438912"/>
+          </a:xfrm>
+          <a:prstGeom prst="rect">
+            <a:avLst/>
+          </a:prstGeom>
+        </p:spPr>
+        <p:style>
+          <a:lnRef idx="2">
+            <a:schemeClr val="accent1">
+              <a:shade val="50000"/>
+            </a:schemeClr>
+          </a:lnRef>
+          <a:fillRef idx="1">
+            <a:schemeClr val="accent1"/>
+          </a:fillRef>
+          <a:effectRef idx="0">
+            <a:schemeClr val="accent1"/>
+          </a:effectRef>
+          <a:fontRef idx="minor">
+            <a:schemeClr val="lt1"/>
+          </a:fontRef>
+        </p:style>
+        <p:txBody>
+          <a:bodyPr rtlCol="0" anchor="ctr"/>
+          <a:lstStyle/>
+          <a:p>
+            <a:pPr algn="ctr"/>
+            <a:r>
+              <a:rPr lang="fr-CA" dirty="0" err="1"/>
+              <a:t>Tbl_info</a:t>
+            </a:r>
+            <a:endParaRPr lang="fr-CA" dirty="0"/>
+          </a:p>
+        </p:txBody>
+      </p:sp>
+      <p:sp>
+        <p:nvSpPr>
+          <p:cNvPr id="6" name="Rectangle 5">
+            <a:extLst>
+              <a:ext uri="{FF2B5EF4-FFF2-40B4-BE49-F238E27FC236}">
+                <a16:creationId xmlns:a16="http://schemas.microsoft.com/office/drawing/2014/main" id="{1A4AB37F-3D1E-4E23-83D7-F45D7052FA52}"/>
+              </a:ext>
+            </a:extLst>
+          </p:cNvPr>
+          <p:cNvSpPr/>
+          <p:nvPr/>
+        </p:nvSpPr>
+        <p:spPr>
+          <a:xfrm>
+            <a:off x="4914061" y="778904"/>
+            <a:ext cx="3020962" cy="2903863"/>
+          </a:xfrm>
+          <a:prstGeom prst="rect">
+            <a:avLst/>
+          </a:prstGeom>
+          <a:solidFill>
+            <a:schemeClr val="accent1">
+              <a:lumMod val="60000"/>
+              <a:lumOff val="40000"/>
+            </a:schemeClr>
+          </a:solidFill>
+        </p:spPr>
+        <p:style>
+          <a:lnRef idx="2">
+            <a:schemeClr val="accent1">
+              <a:shade val="50000"/>
+            </a:schemeClr>
+          </a:lnRef>
+          <a:fillRef idx="1">
+            <a:schemeClr val="accent1"/>
+          </a:fillRef>
+          <a:effectRef idx="0">
+            <a:schemeClr val="accent1"/>
+          </a:effectRef>
+          <a:fontRef idx="minor">
+            <a:schemeClr val="lt1"/>
+          </a:fontRef>
+        </p:style>
+        <p:txBody>
+          <a:bodyPr rtlCol="0" anchor="ctr"/>
+          <a:lstStyle/>
+          <a:p>
+            <a:pPr algn="ctr"/>
+            <a:r>
+              <a:rPr lang="fr-CA" u="sng" dirty="0" err="1"/>
+              <a:t>Id_historique</a:t>
+            </a:r>
+            <a:endParaRPr lang="fr-CA" u="sng" dirty="0"/>
+          </a:p>
+          <a:p>
+            <a:pPr algn="ctr"/>
+            <a:r>
+              <a:rPr lang="fr-CA" dirty="0" err="1"/>
+              <a:t>Nom_commande</a:t>
+            </a:r>
+            <a:endParaRPr lang="fr-CA" dirty="0"/>
+          </a:p>
+          <a:p>
+            <a:pPr algn="ctr"/>
+            <a:r>
+              <a:rPr lang="fr-CA" dirty="0"/>
+              <a:t>Date</a:t>
+            </a:r>
+          </a:p>
+          <a:p>
+            <a:pPr algn="ctr"/>
+            <a:r>
+              <a:rPr lang="fr-CA" dirty="0" err="1"/>
+              <a:t>Quantite_a_produire</a:t>
+            </a:r>
+            <a:endParaRPr lang="fr-CA" dirty="0"/>
+          </a:p>
+          <a:p>
+            <a:pPr algn="ctr"/>
+            <a:r>
+              <a:rPr lang="fr-CA" dirty="0" err="1"/>
+              <a:t>Temperature</a:t>
+            </a:r>
+            <a:endParaRPr lang="fr-CA" dirty="0"/>
+          </a:p>
+          <a:p>
+            <a:pPr algn="ctr"/>
+            <a:r>
+              <a:rPr lang="fr-CA" dirty="0" err="1"/>
+              <a:t>Humidite</a:t>
+            </a:r>
+            <a:endParaRPr lang="fr-CA" dirty="0"/>
+          </a:p>
+          <a:p>
+            <a:pPr algn="ctr"/>
+            <a:r>
+              <a:rPr lang="fr-CA" dirty="0" err="1"/>
+              <a:t>Quantite_bon</a:t>
+            </a:r>
+            <a:endParaRPr lang="fr-CA" dirty="0"/>
+          </a:p>
+          <a:p>
+            <a:pPr algn="ctr"/>
+            <a:r>
+              <a:rPr lang="fr-CA" dirty="0" err="1"/>
+              <a:t>Qnantite_mauvais</a:t>
+            </a:r>
+            <a:endParaRPr lang="fr-CA" dirty="0"/>
+          </a:p>
+          <a:p>
+            <a:pPr algn="ctr"/>
+            <a:r>
+              <a:rPr lang="fr-CA" dirty="0"/>
+              <a:t>Bloque</a:t>
+            </a:r>
+          </a:p>
+        </p:txBody>
+      </p:sp>
+      <p:sp>
+        <p:nvSpPr>
+          <p:cNvPr id="7" name="Rectangle 6">
+            <a:extLst>
+              <a:ext uri="{FF2B5EF4-FFF2-40B4-BE49-F238E27FC236}">
+                <a16:creationId xmlns:a16="http://schemas.microsoft.com/office/drawing/2014/main" id="{5F058F80-B797-4D80-874C-A3A62CC31E1A}"/>
+              </a:ext>
+            </a:extLst>
+          </p:cNvPr>
+          <p:cNvSpPr/>
+          <p:nvPr/>
+        </p:nvSpPr>
+        <p:spPr>
+          <a:xfrm>
+            <a:off x="4914061" y="535624"/>
+            <a:ext cx="3020962" cy="438912"/>
+          </a:xfrm>
+          <a:prstGeom prst="rect">
+            <a:avLst/>
+          </a:prstGeom>
+        </p:spPr>
+        <p:style>
+          <a:lnRef idx="2">
+            <a:schemeClr val="accent1">
+              <a:shade val="50000"/>
+            </a:schemeClr>
+          </a:lnRef>
+          <a:fillRef idx="1">
+            <a:schemeClr val="accent1"/>
+          </a:fillRef>
+          <a:effectRef idx="0">
+            <a:schemeClr val="accent1"/>
+          </a:effectRef>
+          <a:fontRef idx="minor">
+            <a:schemeClr val="lt1"/>
+          </a:fontRef>
+        </p:style>
+        <p:txBody>
+          <a:bodyPr rtlCol="0" anchor="ctr"/>
+          <a:lstStyle/>
+          <a:p>
+            <a:pPr algn="ctr"/>
+            <a:r>
+              <a:rPr lang="fr-CA" dirty="0" err="1"/>
+              <a:t>Tbl_historique</a:t>
+            </a:r>
+            <a:endParaRPr lang="fr-CA" dirty="0"/>
+          </a:p>
+        </p:txBody>
+      </p:sp>
+    </p:spTree>
+    <p:extLst>
+      <p:ext uri="{BB962C8B-B14F-4D97-AF65-F5344CB8AC3E}">
+        <p14:creationId xmlns:p14="http://schemas.microsoft.com/office/powerpoint/2010/main" val="3503762267"/>
       </p:ext>
     </p:extLst>
   </p:cSld>
